--- a/Presentation_Group7.pptx
+++ b/Presentation_Group7.pptx
@@ -28084,19 +28084,97 @@
               <a:t> 7</a:t>
             </a:r>
             <a:br>
+              <a:rPr lang="en-US" sz="4000" dirty="0">
+                <a:latin typeface="Roboto Slab" pitchFamily="2" charset="0"/>
+                <a:ea typeface="Roboto Slab" pitchFamily="2" charset="0"/>
+              </a:rPr>
+            </a:br>
+            <a:r>
+              <a:rPr lang="en-US" sz="2200" b="0" dirty="0">
+                <a:latin typeface="Roboto Slab" pitchFamily="2" charset="0"/>
+                <a:ea typeface="Roboto Slab" pitchFamily="2" charset="0"/>
+              </a:rPr>
+              <a:t>GVHD: </a:t>
+            </a:r>
+            <a:r>
+              <a:rPr lang="en-US" sz="2200" b="0" dirty="0" err="1">
+                <a:latin typeface="Roboto Slab" pitchFamily="2" charset="0"/>
+                <a:ea typeface="Roboto Slab" pitchFamily="2" charset="0"/>
+              </a:rPr>
+              <a:t>Thầy</a:t>
+            </a:r>
+            <a:r>
+              <a:rPr lang="en-US" sz="2200" b="0" dirty="0">
+                <a:latin typeface="Roboto Slab" pitchFamily="2" charset="0"/>
+                <a:ea typeface="Roboto Slab" pitchFamily="2" charset="0"/>
+              </a:rPr>
+              <a:t> </a:t>
+            </a:r>
+            <a:r>
+              <a:rPr lang="en-US" sz="2200" b="0" dirty="0" err="1">
+                <a:latin typeface="Roboto Slab" pitchFamily="2" charset="0"/>
+                <a:ea typeface="Roboto Slab" pitchFamily="2" charset="0"/>
+              </a:rPr>
+              <a:t>Đào</a:t>
+            </a:r>
+            <a:r>
+              <a:rPr lang="en-US" sz="2200" b="0" dirty="0">
+                <a:latin typeface="Roboto Slab" pitchFamily="2" charset="0"/>
+                <a:ea typeface="Roboto Slab" pitchFamily="2" charset="0"/>
+              </a:rPr>
+              <a:t> </a:t>
+            </a:r>
+            <a:r>
+              <a:rPr lang="en-US" sz="2200" b="0" dirty="0" err="1">
+                <a:latin typeface="Roboto Slab" pitchFamily="2" charset="0"/>
+                <a:ea typeface="Roboto Slab" pitchFamily="2" charset="0"/>
+              </a:rPr>
+              <a:t>Trung</a:t>
+            </a:r>
+            <a:r>
+              <a:rPr lang="en-US" sz="2200" b="0" dirty="0">
+                <a:latin typeface="Roboto Slab" pitchFamily="2" charset="0"/>
+                <a:ea typeface="Roboto Slab" pitchFamily="2" charset="0"/>
+              </a:rPr>
+              <a:t> </a:t>
+            </a:r>
+            <a:r>
+              <a:rPr lang="en-US" sz="2200" b="0" dirty="0" err="1">
+                <a:latin typeface="Roboto Slab" pitchFamily="2" charset="0"/>
+                <a:ea typeface="Roboto Slab" pitchFamily="2" charset="0"/>
+              </a:rPr>
+              <a:t>Kiên</a:t>
+            </a:r>
+            <a:br>
+              <a:rPr lang="en-US" sz="2200" b="0" dirty="0">
+                <a:effectLst/>
+                <a:latin typeface="Roboto Slab" pitchFamily="2" charset="0"/>
+                <a:ea typeface="Roboto Slab" pitchFamily="2" charset="0"/>
+              </a:rPr>
+            </a:br>
+            <a:r>
               <a:rPr lang="en-US" sz="2000" b="0" dirty="0">
                 <a:effectLst/>
                 <a:latin typeface="Roboto Slab" pitchFamily="2" charset="0"/>
                 <a:ea typeface="Roboto Slab" pitchFamily="2" charset="0"/>
               </a:rPr>
-            </a:br>
+              <a:t>P</a:t>
+            </a:r>
+            <a:r>
+              <a:rPr lang="en-US" sz="2000" dirty="0">
+                <a:effectLst/>
+                <a:latin typeface="Roboto Slab" pitchFamily="2" charset="0"/>
+                <a:ea typeface="Roboto Slab" pitchFamily="2" charset="0"/>
+              </a:rPr>
+              <a:t>h</a:t>
+            </a:r>
             <a:r>
               <a:rPr lang="en-US" sz="2000" b="0" dirty="0">
                 <a:effectLst/>
                 <a:latin typeface="Roboto Slab" pitchFamily="2" charset="0"/>
                 <a:ea typeface="Roboto Slab" pitchFamily="2" charset="0"/>
               </a:rPr>
-              <a:t>Phan </a:t>
+              <a:t>an </a:t>
             </a:r>
             <a:r>
               <a:rPr lang="en-US" sz="2000" b="0" dirty="0" err="1">

--- a/Presentation_Group7.pptx
+++ b/Presentation_Group7.pptx
@@ -1385,6 +1385,67 @@
 </file>
 
 <file path=ppt/notesSlides/notesSlide7.xml><?xml version="1.0" encoding="utf-8"?>
+<p:notes xmlns:a="http://schemas.openxmlformats.org/drawingml/2006/main" xmlns:r="http://schemas.openxmlformats.org/officeDocument/2006/relationships" xmlns:p="http://schemas.openxmlformats.org/presentationml/2006/main">
+  <p:cSld>
+    <p:spTree>
+      <p:nvGrpSpPr>
+        <p:cNvPr id="1" name=""/>
+        <p:cNvGrpSpPr/>
+        <p:nvPr/>
+      </p:nvGrpSpPr>
+      <p:grpSpPr>
+        <a:xfrm>
+          <a:off x="0" y="0"/>
+          <a:ext cx="0" cy="0"/>
+          <a:chOff x="0" y="0"/>
+          <a:chExt cx="0" cy="0"/>
+        </a:xfrm>
+      </p:grpSpPr>
+      <p:sp>
+        <p:nvSpPr>
+          <p:cNvPr id="2" name="Slide Image Placeholder 1"/>
+          <p:cNvSpPr>
+            <a:spLocks noGrp="1" noRot="1" noChangeAspect="1"/>
+          </p:cNvSpPr>
+          <p:nvPr>
+            <p:ph type="sldImg"/>
+          </p:nvPr>
+        </p:nvSpPr>
+        <p:spPr/>
+      </p:sp>
+      <p:sp>
+        <p:nvSpPr>
+          <p:cNvPr id="3" name="Notes Placeholder 2"/>
+          <p:cNvSpPr>
+            <a:spLocks noGrp="1"/>
+          </p:cNvSpPr>
+          <p:nvPr>
+            <p:ph type="body" idx="1"/>
+          </p:nvPr>
+        </p:nvSpPr>
+        <p:spPr/>
+        <p:txBody>
+          <a:bodyPr/>
+          <a:lstStyle/>
+          <a:p>
+            <a:endParaRPr lang="en-US"/>
+          </a:p>
+        </p:txBody>
+      </p:sp>
+    </p:spTree>
+    <p:extLst>
+      <p:ext uri="{BB962C8B-B14F-4D97-AF65-F5344CB8AC3E}">
+        <p14:creationId xmlns:p14="http://schemas.microsoft.com/office/powerpoint/2010/main" val="1466660028"/>
+      </p:ext>
+    </p:extLst>
+  </p:cSld>
+  <p:clrMapOvr>
+    <a:masterClrMapping/>
+  </p:clrMapOvr>
+</p:notes>
+</file>
+
+<file path=ppt/notesSlides/notesSlide8.xml><?xml version="1.0" encoding="utf-8"?>
 <p:notes xmlns:a="http://schemas.openxmlformats.org/drawingml/2006/main" xmlns:r="http://schemas.openxmlformats.org/officeDocument/2006/relationships" xmlns:p="http://schemas.openxmlformats.org/presentationml/2006/main" showMasterSp="0" showMasterPhAnim="0">
   <p:cSld>
     <p:spTree>
@@ -28090,63 +28151,63 @@
               </a:rPr>
             </a:br>
             <a:r>
-              <a:rPr lang="en-US" sz="2200" b="0" dirty="0">
+              <a:rPr lang="en-US" sz="2000" b="0" dirty="0">
                 <a:latin typeface="Roboto Slab" pitchFamily="2" charset="0"/>
                 <a:ea typeface="Roboto Slab" pitchFamily="2" charset="0"/>
               </a:rPr>
               <a:t>GVHD: </a:t>
             </a:r>
             <a:r>
-              <a:rPr lang="en-US" sz="2200" b="0" dirty="0" err="1">
+              <a:rPr lang="en-US" sz="2000" b="0" dirty="0" err="1">
                 <a:latin typeface="Roboto Slab" pitchFamily="2" charset="0"/>
                 <a:ea typeface="Roboto Slab" pitchFamily="2" charset="0"/>
               </a:rPr>
               <a:t>Thầy</a:t>
             </a:r>
             <a:r>
-              <a:rPr lang="en-US" sz="2200" b="0" dirty="0">
+              <a:rPr lang="en-US" sz="2000" b="0" dirty="0">
                 <a:latin typeface="Roboto Slab" pitchFamily="2" charset="0"/>
                 <a:ea typeface="Roboto Slab" pitchFamily="2" charset="0"/>
               </a:rPr>
               <a:t> </a:t>
             </a:r>
             <a:r>
-              <a:rPr lang="en-US" sz="2200" b="0" dirty="0" err="1">
+              <a:rPr lang="en-US" sz="2000" b="0" dirty="0" err="1">
                 <a:latin typeface="Roboto Slab" pitchFamily="2" charset="0"/>
                 <a:ea typeface="Roboto Slab" pitchFamily="2" charset="0"/>
               </a:rPr>
               <a:t>Đào</a:t>
             </a:r>
             <a:r>
-              <a:rPr lang="en-US" sz="2200" b="0" dirty="0">
+              <a:rPr lang="en-US" sz="2000" b="0" dirty="0">
                 <a:latin typeface="Roboto Slab" pitchFamily="2" charset="0"/>
                 <a:ea typeface="Roboto Slab" pitchFamily="2" charset="0"/>
               </a:rPr>
               <a:t> </a:t>
             </a:r>
             <a:r>
-              <a:rPr lang="en-US" sz="2200" b="0" dirty="0" err="1">
+              <a:rPr lang="en-US" sz="2000" b="0" dirty="0" err="1">
                 <a:latin typeface="Roboto Slab" pitchFamily="2" charset="0"/>
                 <a:ea typeface="Roboto Slab" pitchFamily="2" charset="0"/>
               </a:rPr>
               <a:t>Trung</a:t>
             </a:r>
             <a:r>
-              <a:rPr lang="en-US" sz="2200" b="0" dirty="0">
+              <a:rPr lang="en-US" sz="2000" b="0" dirty="0">
                 <a:latin typeface="Roboto Slab" pitchFamily="2" charset="0"/>
                 <a:ea typeface="Roboto Slab" pitchFamily="2" charset="0"/>
               </a:rPr>
               <a:t> </a:t>
             </a:r>
             <a:r>
-              <a:rPr lang="en-US" sz="2200" b="0" dirty="0" err="1">
+              <a:rPr lang="en-US" sz="2000" b="0" dirty="0" err="1">
                 <a:latin typeface="Roboto Slab" pitchFamily="2" charset="0"/>
                 <a:ea typeface="Roboto Slab" pitchFamily="2" charset="0"/>
               </a:rPr>
               <a:t>Kiên</a:t>
             </a:r>
             <a:br>
-              <a:rPr lang="en-US" sz="2200" b="0" dirty="0">
+              <a:rPr lang="en-US" sz="2000" b="0" dirty="0">
                 <a:effectLst/>
                 <a:latin typeface="Roboto Slab" pitchFamily="2" charset="0"/>
                 <a:ea typeface="Roboto Slab" pitchFamily="2" charset="0"/>
@@ -30303,7 +30364,7 @@
                 <a:latin typeface="Roboto Slab" pitchFamily="2" charset="0"/>
                 <a:ea typeface="Roboto Slab" pitchFamily="2" charset="0"/>
               </a:rPr>
-              <a:t> responsive , Navbar 2 </a:t>
+              <a:t> responsive ( Navbar 2 </a:t>
             </a:r>
             <a:r>
               <a:rPr lang="en-US" sz="2000" dirty="0" err="1">
@@ -30331,7 +30392,7 @@
                 <a:latin typeface="Roboto Slab" pitchFamily="2" charset="0"/>
                 <a:ea typeface="Roboto Slab" pitchFamily="2" charset="0"/>
               </a:rPr>
-              <a:t> </a:t>
+              <a:t> ) </a:t>
             </a:r>
           </a:p>
           <a:p>
@@ -30504,7 +30565,7 @@
           <p:nvPr/>
         </p:nvPicPr>
         <p:blipFill>
-          <a:blip r:embed="rId2"/>
+          <a:blip r:embed="rId3"/>
           <a:stretch>
             <a:fillRect/>
           </a:stretch>
@@ -30534,7 +30595,7 @@
           <p:nvPr/>
         </p:nvPicPr>
         <p:blipFill>
-          <a:blip r:embed="rId2"/>
+          <a:blip r:embed="rId3"/>
           <a:stretch>
             <a:fillRect/>
           </a:stretch>
@@ -30564,7 +30625,7 @@
           <p:nvPr/>
         </p:nvPicPr>
         <p:blipFill>
-          <a:blip r:embed="rId2"/>
+          <a:blip r:embed="rId3"/>
           <a:stretch>
             <a:fillRect/>
           </a:stretch>
@@ -30594,7 +30655,7 @@
           <p:nvPr/>
         </p:nvPicPr>
         <p:blipFill>
-          <a:blip r:embed="rId2"/>
+          <a:blip r:embed="rId3"/>
           <a:stretch>
             <a:fillRect/>
           </a:stretch>
@@ -30624,7 +30685,7 @@
           <p:nvPr/>
         </p:nvPicPr>
         <p:blipFill>
-          <a:blip r:embed="rId2"/>
+          <a:blip r:embed="rId3"/>
           <a:stretch>
             <a:fillRect/>
           </a:stretch>
@@ -30654,14 +30715,14 @@
           <p:nvPr/>
         </p:nvPicPr>
         <p:blipFill>
-          <a:blip r:embed="rId2"/>
+          <a:blip r:embed="rId3"/>
           <a:stretch>
             <a:fillRect/>
           </a:stretch>
         </p:blipFill>
         <p:spPr>
           <a:xfrm>
-            <a:off x="5624986" y="4920122"/>
+            <a:off x="5762638" y="4890625"/>
             <a:ext cx="646773" cy="703929"/>
           </a:xfrm>
           <a:prstGeom prst="rect">
@@ -30684,7 +30745,7 @@
           <p:nvPr/>
         </p:nvPicPr>
         <p:blipFill>
-          <a:blip r:embed="rId2"/>
+          <a:blip r:embed="rId3"/>
           <a:stretch>
             <a:fillRect/>
           </a:stretch>
@@ -30714,7 +30775,7 @@
           <p:nvPr/>
         </p:nvPicPr>
         <p:blipFill>
-          <a:blip r:embed="rId2"/>
+          <a:blip r:embed="rId3"/>
           <a:stretch>
             <a:fillRect/>
           </a:stretch>
